--- a/_PowerPoints/1st Semester/Unit 1 Functions/PreCalc_Day_010.pptx
+++ b/_PowerPoints/1st Semester/Unit 1 Functions/PreCalc_Day_010.pptx
@@ -289,7 +289,7 @@
             <a:fld id="{87DE6118-2437-4B30-8E3C-4D2BE6020583}" type="datetimeFigureOut">
               <a:rPr lang="en-US" dirty="0"/>
               <a:pPr/>
-              <a:t>9/18/2017</a:t>
+              <a:t>9/19/2018</a:t>
             </a:fld>
             <a:endParaRPr lang="en-US" dirty="0"/>
           </a:p>
@@ -615,7 +615,7 @@
           <a:p>
             <a:fld id="{87DE6118-2437-4B30-8E3C-4D2BE6020583}" type="datetimeFigureOut">
               <a:rPr lang="en-US" dirty="0"/>
-              <a:t>9/18/2017</a:t>
+              <a:t>9/19/2018</a:t>
             </a:fld>
             <a:endParaRPr lang="en-US" dirty="0"/>
           </a:p>
@@ -790,7 +790,7 @@
           <a:p>
             <a:fld id="{87DE6118-2437-4B30-8E3C-4D2BE6020583}" type="datetimeFigureOut">
               <a:rPr lang="en-US" dirty="0"/>
-              <a:t>9/18/2017</a:t>
+              <a:t>9/19/2018</a:t>
             </a:fld>
             <a:endParaRPr lang="en-US" dirty="0"/>
           </a:p>
@@ -955,7 +955,7 @@
           <a:p>
             <a:fld id="{87DE6118-2437-4B30-8E3C-4D2BE6020583}" type="datetimeFigureOut">
               <a:rPr lang="en-US" dirty="0"/>
-              <a:t>9/18/2017</a:t>
+              <a:t>9/19/2018</a:t>
             </a:fld>
             <a:endParaRPr lang="en-US" dirty="0"/>
           </a:p>
@@ -1228,7 +1228,7 @@
             <a:fld id="{87DE6118-2437-4B30-8E3C-4D2BE6020583}" type="datetimeFigureOut">
               <a:rPr lang="en-US" dirty="0"/>
               <a:pPr/>
-              <a:t>9/18/2017</a:t>
+              <a:t>9/19/2018</a:t>
             </a:fld>
             <a:endParaRPr lang="en-US" dirty="0"/>
           </a:p>
@@ -1618,7 +1618,7 @@
           <a:p>
             <a:fld id="{87DE6118-2437-4B30-8E3C-4D2BE6020583}" type="datetimeFigureOut">
               <a:rPr lang="en-US" dirty="0"/>
-              <a:t>9/18/2017</a:t>
+              <a:t>9/19/2018</a:t>
             </a:fld>
             <a:endParaRPr lang="en-US" dirty="0"/>
           </a:p>
@@ -2090,7 +2090,7 @@
           <a:p>
             <a:fld id="{87DE6118-2437-4B30-8E3C-4D2BE6020583}" type="datetimeFigureOut">
               <a:rPr lang="en-US" dirty="0"/>
-              <a:t>9/18/2017</a:t>
+              <a:t>9/19/2018</a:t>
             </a:fld>
             <a:endParaRPr lang="en-US" dirty="0"/>
           </a:p>
@@ -2203,7 +2203,7 @@
           <a:p>
             <a:fld id="{87DE6118-2437-4B30-8E3C-4D2BE6020583}" type="datetimeFigureOut">
               <a:rPr lang="en-US" dirty="0"/>
-              <a:t>9/18/2017</a:t>
+              <a:t>9/19/2018</a:t>
             </a:fld>
             <a:endParaRPr lang="en-US" dirty="0"/>
           </a:p>
@@ -2293,7 +2293,7 @@
           <a:p>
             <a:fld id="{87DE6118-2437-4B30-8E3C-4D2BE6020583}" type="datetimeFigureOut">
               <a:rPr lang="en-US" dirty="0"/>
-              <a:t>9/18/2017</a:t>
+              <a:t>9/19/2018</a:t>
             </a:fld>
             <a:endParaRPr lang="en-US" dirty="0"/>
           </a:p>
@@ -2635,7 +2635,7 @@
             <a:fld id="{87DE6118-2437-4B30-8E3C-4D2BE6020583}" type="datetimeFigureOut">
               <a:rPr lang="en-US" dirty="0"/>
               <a:pPr/>
-              <a:t>9/18/2017</a:t>
+              <a:t>9/19/2018</a:t>
             </a:fld>
             <a:endParaRPr lang="en-US" dirty="0"/>
           </a:p>
@@ -3020,7 +3020,7 @@
             <a:fld id="{87DE6118-2437-4B30-8E3C-4D2BE6020583}" type="datetimeFigureOut">
               <a:rPr lang="en-US" dirty="0"/>
               <a:pPr/>
-              <a:t>9/18/2017</a:t>
+              <a:t>9/19/2018</a:t>
             </a:fld>
             <a:endParaRPr lang="en-US" dirty="0"/>
           </a:p>
@@ -3295,7 +3295,7 @@
             <a:fld id="{87DE6118-2437-4B30-8E3C-4D2BE6020583}" type="datetimeFigureOut">
               <a:rPr lang="en-US" dirty="0"/>
               <a:pPr/>
-              <a:t>9/18/2017</a:t>
+              <a:t>9/19/2018</a:t>
             </a:fld>
             <a:endParaRPr lang="en-US" dirty="0"/>
           </a:p>
@@ -4147,13 +4147,13 @@
           <a:lstStyle/>
           <a:p>
             <a:r>
-              <a:rPr lang="en-US" sz="2400" dirty="0" smtClean="0"/>
+              <a:rPr lang="en-US" sz="3400" dirty="0" smtClean="0"/>
               <a:t>Review main concepts for Test</a:t>
             </a:r>
           </a:p>
           <a:p>
             <a:r>
-              <a:rPr lang="en-US" sz="2400" dirty="0" smtClean="0"/>
+              <a:rPr lang="en-US" sz="3400" dirty="0" smtClean="0"/>
               <a:t>Quiz to check for understanding</a:t>
             </a:r>
           </a:p>
@@ -4225,8 +4225,8 @@
           </a:p>
         </p:txBody>
       </p:sp>
-      <mc:AlternateContent xmlns:mc="http://schemas.openxmlformats.org/markup-compatibility/2006" xmlns:a14="http://schemas.microsoft.com/office/drawing/2010/main">
-        <mc:Choice Requires="a14">
+      <mc:AlternateContent xmlns:mc="http://schemas.openxmlformats.org/markup-compatibility/2006">
+        <mc:Choice xmlns:a14="http://schemas.microsoft.com/office/drawing/2010/main" Requires="a14">
           <p:sp>
             <p:nvSpPr>
               <p:cNvPr id="3" name="Content Placeholder 2"/>
@@ -4356,10 +4356,14 @@
                       <a:rPr lang="en-US" sz="3000" i="1">
                         <a:latin typeface="Cambria Math" panose="02040503050406030204" pitchFamily="18" charset="0"/>
                       </a:rPr>
-                      <m:t>+7</m:t>
+                      <m:t>+</m:t>
                     </m:r>
                   </m:oMath>
                 </a14:m>
+                <a:r>
+                  <a:rPr lang="en-US" sz="3000" dirty="0" smtClean="0"/>
+                  <a:t> 8</a:t>
+                </a:r>
                 <a:r>
                   <a:rPr lang="en-US" sz="3000" dirty="0"/>
                   <a:t>    </a:t>
@@ -4639,7 +4643,7 @@
             </p:txBody>
           </p:sp>
         </mc:Choice>
-        <mc:Fallback xmlns="">
+        <mc:Fallback>
           <p:sp>
             <p:nvSpPr>
               <p:cNvPr id="3" name="Content Placeholder 2"/>
@@ -4658,7 +4662,7 @@
               <a:blipFill rotWithShape="0">
                 <a:blip r:embed="rId2"/>
                 <a:stretch>
-                  <a:fillRect l="-1460"/>
+                  <a:fillRect l="-1460" t="-2019"/>
                 </a:stretch>
               </a:blipFill>
             </p:spPr>
@@ -4760,19 +4764,19 @@
                 <a14:m>
                   <m:oMath xmlns:m="http://schemas.openxmlformats.org/officeDocument/2006/math">
                     <m:r>
-                      <a:rPr lang="en-US" sz="3000" i="1">
+                      <a:rPr lang="en-US" sz="3000" i="1" smtClean="0">
                         <a:latin typeface="Cambria Math" panose="02040503050406030204" pitchFamily="18" charset="0"/>
                       </a:rPr>
                       <m:t>𝐺𝑖𝑣𝑒𝑛</m:t>
                     </m:r>
                     <m:r>
-                      <a:rPr lang="en-US" sz="3000" i="1">
+                      <a:rPr lang="en-US" sz="3000" i="1" smtClean="0">
                         <a:latin typeface="Cambria Math" panose="02040503050406030204" pitchFamily="18" charset="0"/>
                       </a:rPr>
                       <m:t> </m:t>
                     </m:r>
                     <m:r>
-                      <a:rPr lang="en-US" sz="3000" i="1">
+                      <a:rPr lang="en-US" sz="3000" i="1" smtClean="0">
                         <a:latin typeface="Cambria Math" panose="02040503050406030204" pitchFamily="18" charset="0"/>
                       </a:rPr>
                       <m:t>𝑓</m:t>
@@ -4863,7 +4867,7 @@
                       <a:rPr lang="en-US" sz="3000" i="1">
                         <a:latin typeface="Cambria Math" panose="02040503050406030204" pitchFamily="18" charset="0"/>
                       </a:rPr>
-                      <m:t>+7</m:t>
+                      <m:t>+8</m:t>
                     </m:r>
                   </m:oMath>
                 </a14:m>
@@ -5859,11 +5863,7 @@
           <a:p>
             <a:r>
               <a:rPr lang="en-US" dirty="0" smtClean="0"/>
-              <a:t>Finish </a:t>
-            </a:r>
-            <a:r>
-              <a:rPr lang="en-US" dirty="0" smtClean="0"/>
-              <a:t>Homework and Prepare for Test</a:t>
+              <a:t>Finish Homework and Prepare for Test</a:t>
             </a:r>
             <a:endParaRPr lang="en-US" dirty="0"/>
           </a:p>
@@ -5879,10 +5879,53 @@
             <p:ph idx="1"/>
           </p:nvPr>
         </p:nvSpPr>
-        <p:spPr/>
-        <p:txBody>
-          <a:bodyPr/>
+        <p:spPr>
+          <a:xfrm>
+            <a:off x="1371600" y="2286000"/>
+            <a:ext cx="9601200" cy="4572000"/>
+          </a:xfrm>
+        </p:spPr>
+        <p:txBody>
+          <a:bodyPr>
+            <a:normAutofit/>
+          </a:bodyPr>
           <a:lstStyle/>
+          <a:p>
+            <a:r>
+              <a:rPr lang="en-US" sz="3400" dirty="0" smtClean="0"/>
+              <a:t>Optional Review Assignment:</a:t>
+            </a:r>
+          </a:p>
+          <a:p>
+            <a:r>
+              <a:rPr lang="en-US" sz="3400" dirty="0" smtClean="0"/>
+              <a:t>Page 49 #41, 43, 53, 55</a:t>
+            </a:r>
+          </a:p>
+          <a:p>
+            <a:r>
+              <a:rPr lang="en-US" sz="3400" dirty="0" smtClean="0"/>
+              <a:t>Page 50 #71 – 82, 91 </a:t>
+            </a:r>
+          </a:p>
+          <a:p>
+            <a:r>
+              <a:rPr lang="en-US" sz="3400" dirty="0" smtClean="0"/>
+              <a:t>Page 88 #9 – 11, 37 – 43   </a:t>
+            </a:r>
+          </a:p>
+          <a:p>
+            <a:r>
+              <a:rPr lang="en-US" sz="3400" dirty="0" smtClean="0"/>
+              <a:t>Evaluate using Unit Circle</a:t>
+            </a:r>
+          </a:p>
+          <a:p>
+            <a:r>
+              <a:rPr lang="en-US" sz="3400" dirty="0" smtClean="0"/>
+              <a:t>Understand Domain and Range of sin and cos</a:t>
+            </a:r>
+          </a:p>
           <a:p>
             <a:endParaRPr lang="en-US" dirty="0"/>
           </a:p>
@@ -5898,6 +5941,13 @@
   <p:clrMapOvr>
     <a:masterClrMapping/>
   </p:clrMapOvr>
+  <p:timing>
+    <p:tnLst>
+      <p:par>
+        <p:cTn id="1" dur="indefinite" restart="never" nodeType="tmRoot"/>
+      </p:par>
+    </p:tnLst>
+  </p:timing>
 </p:sld>
 </file>
 
